--- a/2019-05-15 .NET Group Bern/ASP.NET Core Security Overview.pptx
+++ b/2019-05-15 .NET Group Bern/ASP.NET Core Security Overview.pptx
@@ -5088,7 +5088,7 @@
 <dgm:dataModel xmlns:dgm="http://schemas.openxmlformats.org/drawingml/2006/diagram" xmlns:a="http://schemas.openxmlformats.org/drawingml/2006/main">
   <dgm:ptLst>
     <dgm:pt modelId="{F5A68469-9230-45C1-BEC6-F3037242410B}" type="doc">
-      <dgm:prSet loTypeId="urn:microsoft.com/office/officeart/2016/7/layout/HorizontalActionList" loCatId="List" qsTypeId="urn:microsoft.com/office/officeart/2005/8/quickstyle/simple1" qsCatId="simple" csTypeId="urn:microsoft.com/office/officeart/2005/8/colors/accent0_3" csCatId="mainScheme"/>
+      <dgm:prSet loTypeId="urn:microsoft.com/office/officeart/2016/7/layout/HorizontalActionList" loCatId="List" qsTypeId="urn:microsoft.com/office/officeart/2005/8/quickstyle/simple1" qsCatId="simple" csTypeId="urn:microsoft.com/office/officeart/2005/8/colors/accent0_3" csCatId="mainScheme" phldr="1"/>
       <dgm:spPr/>
       <dgm:t>
         <a:bodyPr/>
@@ -5106,9 +5106,10 @@
         <a:lstStyle/>
         <a:p>
           <a:r>
-            <a:rPr lang="en-US"/>
-            <a:t>Prepare</a:t>
+            <a:rPr lang="en-CH" dirty="0"/>
+            <a:t>1</a:t>
           </a:r>
+          <a:endParaRPr lang="en-US" dirty="0"/>
         </a:p>
       </dgm:t>
     </dgm:pt>
@@ -5178,9 +5179,10 @@
         <a:lstStyle/>
         <a:p>
           <a:r>
-            <a:rPr lang="en-US"/>
-            <a:t>Add</a:t>
+            <a:rPr lang="en-CH" dirty="0"/>
+            <a:t>2</a:t>
           </a:r>
+          <a:endParaRPr lang="en-US" dirty="0"/>
         </a:p>
       </dgm:t>
     </dgm:pt>
@@ -5250,9 +5252,10 @@
         <a:lstStyle/>
         <a:p>
           <a:r>
-            <a:rPr lang="en-US"/>
-            <a:t>Be</a:t>
+            <a:rPr lang="en-CH" dirty="0"/>
+            <a:t>3</a:t>
           </a:r>
+          <a:endParaRPr lang="en-US" dirty="0"/>
         </a:p>
       </dgm:t>
     </dgm:pt>
@@ -5314,7 +5317,7 @@
         </a:p>
       </dgm:t>
     </dgm:pt>
-    <dgm:pt modelId="{90FF0FAA-53FE-4035-BC21-1A0A5EBA586C}" type="pres">
+    <dgm:pt modelId="{90363DFF-2BE2-4C64-98C6-E054070707C9}" type="pres">
       <dgm:prSet presAssocID="{F5A68469-9230-45C1-BEC6-F3037242410B}" presName="Name0" presStyleCnt="0">
         <dgm:presLayoutVars>
           <dgm:dir/>
@@ -5324,11 +5327,11 @@
       </dgm:prSet>
       <dgm:spPr/>
     </dgm:pt>
-    <dgm:pt modelId="{C88112FE-4E06-4E8D-9DE0-C095D86FBA1C}" type="pres">
+    <dgm:pt modelId="{0CC16CF8-2B6A-4CBE-9FDE-AD027D9ED446}" type="pres">
       <dgm:prSet presAssocID="{A222604A-7364-4BCE-A45E-2B7289CD6AE1}" presName="composite" presStyleCnt="0"/>
       <dgm:spPr/>
     </dgm:pt>
-    <dgm:pt modelId="{A53F5ECF-05F6-46A3-95CF-32D82294585D}" type="pres">
+    <dgm:pt modelId="{66E9F096-0885-41C5-A03F-40388C4751C2}" type="pres">
       <dgm:prSet presAssocID="{A222604A-7364-4BCE-A45E-2B7289CD6AE1}" presName="parTx" presStyleLbl="alignNode1" presStyleIdx="0" presStyleCnt="3">
         <dgm:presLayoutVars>
           <dgm:chMax val="0"/>
@@ -5337,21 +5340,21 @@
       </dgm:prSet>
       <dgm:spPr/>
     </dgm:pt>
-    <dgm:pt modelId="{F2AD24C8-3DEE-44E8-83CD-5D8954E700F8}" type="pres">
+    <dgm:pt modelId="{7D7163DC-368C-4633-BEC7-03CB44DFF796}" type="pres">
       <dgm:prSet presAssocID="{A222604A-7364-4BCE-A45E-2B7289CD6AE1}" presName="desTx" presStyleLbl="alignAccFollowNode1" presStyleIdx="0" presStyleCnt="3">
         <dgm:presLayoutVars/>
       </dgm:prSet>
       <dgm:spPr/>
     </dgm:pt>
-    <dgm:pt modelId="{F9CDAD6E-7A9C-4B66-8CE7-4BFD3578B94F}" type="pres">
+    <dgm:pt modelId="{A297B754-534C-4187-AD50-7214E35522AA}" type="pres">
       <dgm:prSet presAssocID="{F06DD3BD-FF95-47E5-AFEE-40AA27DA15B6}" presName="space" presStyleCnt="0"/>
       <dgm:spPr/>
     </dgm:pt>
-    <dgm:pt modelId="{3C0BBD28-5269-4A87-9F78-14D7F8AAC3AC}" type="pres">
+    <dgm:pt modelId="{A9C521ED-CA1F-48B7-8C31-11CFB4CC60F3}" type="pres">
       <dgm:prSet presAssocID="{6CF3BE86-6304-4E99-86BB-EFD755763B0A}" presName="composite" presStyleCnt="0"/>
       <dgm:spPr/>
     </dgm:pt>
-    <dgm:pt modelId="{499E9702-0894-48DE-8529-98A777699247}" type="pres">
+    <dgm:pt modelId="{D2B4D569-7075-4AA5-9141-005F4AFD3305}" type="pres">
       <dgm:prSet presAssocID="{6CF3BE86-6304-4E99-86BB-EFD755763B0A}" presName="parTx" presStyleLbl="alignNode1" presStyleIdx="1" presStyleCnt="3">
         <dgm:presLayoutVars>
           <dgm:chMax val="0"/>
@@ -5360,21 +5363,21 @@
       </dgm:prSet>
       <dgm:spPr/>
     </dgm:pt>
-    <dgm:pt modelId="{869761D6-2710-4018-8C85-987E2D6619A1}" type="pres">
+    <dgm:pt modelId="{554E7755-6F44-4385-A67B-7765CFBDC7B1}" type="pres">
       <dgm:prSet presAssocID="{6CF3BE86-6304-4E99-86BB-EFD755763B0A}" presName="desTx" presStyleLbl="alignAccFollowNode1" presStyleIdx="1" presStyleCnt="3">
         <dgm:presLayoutVars/>
       </dgm:prSet>
       <dgm:spPr/>
     </dgm:pt>
-    <dgm:pt modelId="{AA7276D2-70A3-46BB-A381-07F423AAE785}" type="pres">
+    <dgm:pt modelId="{1C707428-4C3D-497E-9784-58A57BD77B61}" type="pres">
       <dgm:prSet presAssocID="{196D7BA1-147E-4466-8115-1E585A7C02A2}" presName="space" presStyleCnt="0"/>
       <dgm:spPr/>
     </dgm:pt>
-    <dgm:pt modelId="{964959CA-39DF-4FDC-9F32-5663E4FAF2A1}" type="pres">
+    <dgm:pt modelId="{1606EA0F-48E2-4BD4-9F37-BF236232D15C}" type="pres">
       <dgm:prSet presAssocID="{D0203A1F-2A0B-4CB8-9E56-C6AF5D2A191F}" presName="composite" presStyleCnt="0"/>
       <dgm:spPr/>
     </dgm:pt>
-    <dgm:pt modelId="{2BA1343B-F5BE-401B-A117-B0EFE17652E1}" type="pres">
+    <dgm:pt modelId="{DF50B32C-5278-47F6-81DD-3879F8A29A1F}" type="pres">
       <dgm:prSet presAssocID="{D0203A1F-2A0B-4CB8-9E56-C6AF5D2A191F}" presName="parTx" presStyleLbl="alignNode1" presStyleIdx="2" presStyleCnt="3">
         <dgm:presLayoutVars>
           <dgm:chMax val="0"/>
@@ -5383,7 +5386,7 @@
       </dgm:prSet>
       <dgm:spPr/>
     </dgm:pt>
-    <dgm:pt modelId="{6B333CFC-3821-4B3C-B16B-B90ADBEDF558}" type="pres">
+    <dgm:pt modelId="{06336547-F3F9-491E-885A-0ECADD1ADB8B}" type="pres">
       <dgm:prSet presAssocID="{D0203A1F-2A0B-4CB8-9E56-C6AF5D2A191F}" presName="desTx" presStyleLbl="alignAccFollowNode1" presStyleIdx="2" presStyleCnt="3">
         <dgm:presLayoutVars/>
       </dgm:prSet>
@@ -5391,30 +5394,30 @@
     </dgm:pt>
   </dgm:ptLst>
   <dgm:cxnLst>
-    <dgm:cxn modelId="{10D3B902-5A1D-4315-8D05-D315442DF0C1}" type="presOf" srcId="{A222604A-7364-4BCE-A45E-2B7289CD6AE1}" destId="{A53F5ECF-05F6-46A3-95CF-32D82294585D}" srcOrd="0" destOrd="0" presId="urn:microsoft.com/office/officeart/2016/7/layout/HorizontalActionList"/>
+    <dgm:cxn modelId="{CA61EC19-0FAF-4D42-BDAB-6B12DA238AB1}" type="presOf" srcId="{EB0D9FCA-C5EF-45D8-B1AE-C1B518AF746D}" destId="{554E7755-6F44-4385-A67B-7765CFBDC7B1}" srcOrd="0" destOrd="0" presId="urn:microsoft.com/office/officeart/2016/7/layout/HorizontalActionList"/>
+    <dgm:cxn modelId="{6D68B51A-0A0D-4D23-978F-64857C3CA35E}" type="presOf" srcId="{D0203A1F-2A0B-4CB8-9E56-C6AF5D2A191F}" destId="{DF50B32C-5278-47F6-81DD-3879F8A29A1F}" srcOrd="0" destOrd="0" presId="urn:microsoft.com/office/officeart/2016/7/layout/HorizontalActionList"/>
+    <dgm:cxn modelId="{91B0D826-45E1-4170-A35C-46438B22D00E}" type="presOf" srcId="{32D4CB0F-85F5-4FBF-B5E6-182F472A2C90}" destId="{7D7163DC-368C-4633-BEC7-03CB44DFF796}" srcOrd="0" destOrd="0" presId="urn:microsoft.com/office/officeart/2016/7/layout/HorizontalActionList"/>
+    <dgm:cxn modelId="{2383DA38-6FEA-4661-8264-1B30FB960EBA}" type="presOf" srcId="{A222604A-7364-4BCE-A45E-2B7289CD6AE1}" destId="{66E9F096-0885-41C5-A03F-40388C4751C2}" srcOrd="0" destOrd="0" presId="urn:microsoft.com/office/officeart/2016/7/layout/HorizontalActionList"/>
+    <dgm:cxn modelId="{F1EF4E39-BD96-4189-B04A-9EFE5FF994A7}" type="presOf" srcId="{F5A68469-9230-45C1-BEC6-F3037242410B}" destId="{90363DFF-2BE2-4C64-98C6-E054070707C9}" srcOrd="0" destOrd="0" presId="urn:microsoft.com/office/officeart/2016/7/layout/HorizontalActionList"/>
     <dgm:cxn modelId="{C9C2A243-CB01-4139-A877-8646FA721A26}" srcId="{A222604A-7364-4BCE-A45E-2B7289CD6AE1}" destId="{32D4CB0F-85F5-4FBF-B5E6-182F472A2C90}" srcOrd="0" destOrd="0" parTransId="{10A184E9-679C-4AB7-AB42-FC64721A7126}" sibTransId="{E16F1BF7-5F54-4C34-8B13-EF82120C9724}"/>
     <dgm:cxn modelId="{6556FD4A-8348-43F6-89C1-A2FECD12BB53}" srcId="{F5A68469-9230-45C1-BEC6-F3037242410B}" destId="{6CF3BE86-6304-4E99-86BB-EFD755763B0A}" srcOrd="1" destOrd="0" parTransId="{1083E324-897E-424A-818E-6491421378D6}" sibTransId="{196D7BA1-147E-4466-8115-1E585A7C02A2}"/>
-    <dgm:cxn modelId="{4A82D776-C6FC-49E8-A498-46CD03D5BCBD}" type="presOf" srcId="{EB0D9FCA-C5EF-45D8-B1AE-C1B518AF746D}" destId="{869761D6-2710-4018-8C85-987E2D6619A1}" srcOrd="0" destOrd="0" presId="urn:microsoft.com/office/officeart/2016/7/layout/HorizontalActionList"/>
-    <dgm:cxn modelId="{0240A27E-B034-4DD7-A104-0E5B1C296EFF}" type="presOf" srcId="{F5A68469-9230-45C1-BEC6-F3037242410B}" destId="{90FF0FAA-53FE-4035-BC21-1A0A5EBA586C}" srcOrd="0" destOrd="0" presId="urn:microsoft.com/office/officeart/2016/7/layout/HorizontalActionList"/>
-    <dgm:cxn modelId="{9A60A990-60AA-466C-B344-33D7E8BB8FE7}" type="presOf" srcId="{32D4CB0F-85F5-4FBF-B5E6-182F472A2C90}" destId="{F2AD24C8-3DEE-44E8-83CD-5D8954E700F8}" srcOrd="0" destOrd="0" presId="urn:microsoft.com/office/officeart/2016/7/layout/HorizontalActionList"/>
     <dgm:cxn modelId="{249F3B97-3081-40C5-B116-F4A65FD194E4}" srcId="{F5A68469-9230-45C1-BEC6-F3037242410B}" destId="{A222604A-7364-4BCE-A45E-2B7289CD6AE1}" srcOrd="0" destOrd="0" parTransId="{DBB47DBE-4ACC-4391-A9AD-BD68256D0620}" sibTransId="{F06DD3BD-FF95-47E5-AFEE-40AA27DA15B6}"/>
-    <dgm:cxn modelId="{84D7F79E-535F-4185-BEED-4BEEF6F46EB8}" type="presOf" srcId="{B7CC2C4F-01A1-491D-ACE7-24F92B0C7BFF}" destId="{6B333CFC-3821-4B3C-B16B-B90ADBEDF558}" srcOrd="0" destOrd="0" presId="urn:microsoft.com/office/officeart/2016/7/layout/HorizontalActionList"/>
-    <dgm:cxn modelId="{04955EA9-4C74-4757-ABED-67912C487077}" type="presOf" srcId="{6CF3BE86-6304-4E99-86BB-EFD755763B0A}" destId="{499E9702-0894-48DE-8529-98A777699247}" srcOrd="0" destOrd="0" presId="urn:microsoft.com/office/officeart/2016/7/layout/HorizontalActionList"/>
-    <dgm:cxn modelId="{7AED50AD-888F-49F4-9540-86C37DFA6531}" type="presOf" srcId="{D0203A1F-2A0B-4CB8-9E56-C6AF5D2A191F}" destId="{2BA1343B-F5BE-401B-A117-B0EFE17652E1}" srcOrd="0" destOrd="0" presId="urn:microsoft.com/office/officeart/2016/7/layout/HorizontalActionList"/>
     <dgm:cxn modelId="{DCB5E7CD-0741-4963-85DD-1A4AC80B3865}" srcId="{F5A68469-9230-45C1-BEC6-F3037242410B}" destId="{D0203A1F-2A0B-4CB8-9E56-C6AF5D2A191F}" srcOrd="2" destOrd="0" parTransId="{D30B3E88-F5BE-4B2C-9963-33DDB52D0404}" sibTransId="{D151F2B9-9611-42AC-AC63-BBB9FFC0BAF3}"/>
     <dgm:cxn modelId="{B7AB29D7-7EF3-4768-995B-101F62F75016}" srcId="{D0203A1F-2A0B-4CB8-9E56-C6AF5D2A191F}" destId="{B7CC2C4F-01A1-491D-ACE7-24F92B0C7BFF}" srcOrd="0" destOrd="0" parTransId="{4954C9D4-53A8-4D0D-965D-938DBE16059B}" sibTransId="{8AB8D609-ECE0-48D3-BC71-9680A45175D6}"/>
+    <dgm:cxn modelId="{75DCC8E1-11FB-4275-86BB-7C5A3C7DBC3F}" type="presOf" srcId="{B7CC2C4F-01A1-491D-ACE7-24F92B0C7BFF}" destId="{06336547-F3F9-491E-885A-0ECADD1ADB8B}" srcOrd="0" destOrd="0" presId="urn:microsoft.com/office/officeart/2016/7/layout/HorizontalActionList"/>
+    <dgm:cxn modelId="{079C0DE4-C715-4C23-9A95-14EE08B99264}" type="presOf" srcId="{6CF3BE86-6304-4E99-86BB-EFD755763B0A}" destId="{D2B4D569-7075-4AA5-9141-005F4AFD3305}" srcOrd="0" destOrd="0" presId="urn:microsoft.com/office/officeart/2016/7/layout/HorizontalActionList"/>
     <dgm:cxn modelId="{4ECFBDFF-2CA1-4B72-9EBD-9A63DE5923FE}" srcId="{6CF3BE86-6304-4E99-86BB-EFD755763B0A}" destId="{EB0D9FCA-C5EF-45D8-B1AE-C1B518AF746D}" srcOrd="0" destOrd="0" parTransId="{76B47645-A446-45E7-89CD-0A8B56B23451}" sibTransId="{C56EFB9D-8833-4945-B8FD-A7FDE4316458}"/>
-    <dgm:cxn modelId="{16742280-84C7-4C96-B7AA-4680E716D21E}" type="presParOf" srcId="{90FF0FAA-53FE-4035-BC21-1A0A5EBA586C}" destId="{C88112FE-4E06-4E8D-9DE0-C095D86FBA1C}" srcOrd="0" destOrd="0" presId="urn:microsoft.com/office/officeart/2016/7/layout/HorizontalActionList"/>
-    <dgm:cxn modelId="{25CBA8B4-AD29-4310-AB30-233461CB2725}" type="presParOf" srcId="{C88112FE-4E06-4E8D-9DE0-C095D86FBA1C}" destId="{A53F5ECF-05F6-46A3-95CF-32D82294585D}" srcOrd="0" destOrd="0" presId="urn:microsoft.com/office/officeart/2016/7/layout/HorizontalActionList"/>
-    <dgm:cxn modelId="{620B7409-3065-4002-A376-55FAAD3297AB}" type="presParOf" srcId="{C88112FE-4E06-4E8D-9DE0-C095D86FBA1C}" destId="{F2AD24C8-3DEE-44E8-83CD-5D8954E700F8}" srcOrd="1" destOrd="0" presId="urn:microsoft.com/office/officeart/2016/7/layout/HorizontalActionList"/>
-    <dgm:cxn modelId="{8916C50C-B5B7-43CF-BA10-C04113571344}" type="presParOf" srcId="{90FF0FAA-53FE-4035-BC21-1A0A5EBA586C}" destId="{F9CDAD6E-7A9C-4B66-8CE7-4BFD3578B94F}" srcOrd="1" destOrd="0" presId="urn:microsoft.com/office/officeart/2016/7/layout/HorizontalActionList"/>
-    <dgm:cxn modelId="{07B8335D-6A72-48E7-8FFE-474116D67A0B}" type="presParOf" srcId="{90FF0FAA-53FE-4035-BC21-1A0A5EBA586C}" destId="{3C0BBD28-5269-4A87-9F78-14D7F8AAC3AC}" srcOrd="2" destOrd="0" presId="urn:microsoft.com/office/officeart/2016/7/layout/HorizontalActionList"/>
-    <dgm:cxn modelId="{592A8EA8-3E24-4F8C-9183-A66CF6657A66}" type="presParOf" srcId="{3C0BBD28-5269-4A87-9F78-14D7F8AAC3AC}" destId="{499E9702-0894-48DE-8529-98A777699247}" srcOrd="0" destOrd="0" presId="urn:microsoft.com/office/officeart/2016/7/layout/HorizontalActionList"/>
-    <dgm:cxn modelId="{438E5D76-F071-457B-9D09-DBC31D6E1456}" type="presParOf" srcId="{3C0BBD28-5269-4A87-9F78-14D7F8AAC3AC}" destId="{869761D6-2710-4018-8C85-987E2D6619A1}" srcOrd="1" destOrd="0" presId="urn:microsoft.com/office/officeart/2016/7/layout/HorizontalActionList"/>
-    <dgm:cxn modelId="{FB073DB6-F275-40A8-94B4-FEF462AFAA17}" type="presParOf" srcId="{90FF0FAA-53FE-4035-BC21-1A0A5EBA586C}" destId="{AA7276D2-70A3-46BB-A381-07F423AAE785}" srcOrd="3" destOrd="0" presId="urn:microsoft.com/office/officeart/2016/7/layout/HorizontalActionList"/>
-    <dgm:cxn modelId="{3DADBA0D-C5FE-4420-A6EE-460CC47D28DB}" type="presParOf" srcId="{90FF0FAA-53FE-4035-BC21-1A0A5EBA586C}" destId="{964959CA-39DF-4FDC-9F32-5663E4FAF2A1}" srcOrd="4" destOrd="0" presId="urn:microsoft.com/office/officeart/2016/7/layout/HorizontalActionList"/>
-    <dgm:cxn modelId="{C929326E-D85C-4229-A47C-E2E6E2289859}" type="presParOf" srcId="{964959CA-39DF-4FDC-9F32-5663E4FAF2A1}" destId="{2BA1343B-F5BE-401B-A117-B0EFE17652E1}" srcOrd="0" destOrd="0" presId="urn:microsoft.com/office/officeart/2016/7/layout/HorizontalActionList"/>
-    <dgm:cxn modelId="{516F3918-9B02-4C0C-B9B6-E5180A10766B}" type="presParOf" srcId="{964959CA-39DF-4FDC-9F32-5663E4FAF2A1}" destId="{6B333CFC-3821-4B3C-B16B-B90ADBEDF558}" srcOrd="1" destOrd="0" presId="urn:microsoft.com/office/officeart/2016/7/layout/HorizontalActionList"/>
+    <dgm:cxn modelId="{6A02F390-B8F1-4D25-961C-4BB7F775D533}" type="presParOf" srcId="{90363DFF-2BE2-4C64-98C6-E054070707C9}" destId="{0CC16CF8-2B6A-4CBE-9FDE-AD027D9ED446}" srcOrd="0" destOrd="0" presId="urn:microsoft.com/office/officeart/2016/7/layout/HorizontalActionList"/>
+    <dgm:cxn modelId="{73D6622C-B559-4928-AA1F-C98215BF0CF3}" type="presParOf" srcId="{0CC16CF8-2B6A-4CBE-9FDE-AD027D9ED446}" destId="{66E9F096-0885-41C5-A03F-40388C4751C2}" srcOrd="0" destOrd="0" presId="urn:microsoft.com/office/officeart/2016/7/layout/HorizontalActionList"/>
+    <dgm:cxn modelId="{EF2FC325-90FD-458D-8724-8A87E32302F4}" type="presParOf" srcId="{0CC16CF8-2B6A-4CBE-9FDE-AD027D9ED446}" destId="{7D7163DC-368C-4633-BEC7-03CB44DFF796}" srcOrd="1" destOrd="0" presId="urn:microsoft.com/office/officeart/2016/7/layout/HorizontalActionList"/>
+    <dgm:cxn modelId="{AFAF4530-1825-483D-AD2C-134A7C080A61}" type="presParOf" srcId="{90363DFF-2BE2-4C64-98C6-E054070707C9}" destId="{A297B754-534C-4187-AD50-7214E35522AA}" srcOrd="1" destOrd="0" presId="urn:microsoft.com/office/officeart/2016/7/layout/HorizontalActionList"/>
+    <dgm:cxn modelId="{C9FEEBBB-F232-4BE5-852D-738BEEBDC7D5}" type="presParOf" srcId="{90363DFF-2BE2-4C64-98C6-E054070707C9}" destId="{A9C521ED-CA1F-48B7-8C31-11CFB4CC60F3}" srcOrd="2" destOrd="0" presId="urn:microsoft.com/office/officeart/2016/7/layout/HorizontalActionList"/>
+    <dgm:cxn modelId="{A76AD631-2FB8-4A26-B2E6-3779EC51256F}" type="presParOf" srcId="{A9C521ED-CA1F-48B7-8C31-11CFB4CC60F3}" destId="{D2B4D569-7075-4AA5-9141-005F4AFD3305}" srcOrd="0" destOrd="0" presId="urn:microsoft.com/office/officeart/2016/7/layout/HorizontalActionList"/>
+    <dgm:cxn modelId="{FEF4E13D-4C70-479A-8FD8-11B8186AA28A}" type="presParOf" srcId="{A9C521ED-CA1F-48B7-8C31-11CFB4CC60F3}" destId="{554E7755-6F44-4385-A67B-7765CFBDC7B1}" srcOrd="1" destOrd="0" presId="urn:microsoft.com/office/officeart/2016/7/layout/HorizontalActionList"/>
+    <dgm:cxn modelId="{13CA6044-0538-49E8-94AF-86F444C05224}" type="presParOf" srcId="{90363DFF-2BE2-4C64-98C6-E054070707C9}" destId="{1C707428-4C3D-497E-9784-58A57BD77B61}" srcOrd="3" destOrd="0" presId="urn:microsoft.com/office/officeart/2016/7/layout/HorizontalActionList"/>
+    <dgm:cxn modelId="{BAEB735A-BFEB-4B3C-BADA-337C653A1E39}" type="presParOf" srcId="{90363DFF-2BE2-4C64-98C6-E054070707C9}" destId="{1606EA0F-48E2-4BD4-9F37-BF236232D15C}" srcOrd="4" destOrd="0" presId="urn:microsoft.com/office/officeart/2016/7/layout/HorizontalActionList"/>
+    <dgm:cxn modelId="{AEE36B5C-27CB-4317-9486-24EBEC002FBE}" type="presParOf" srcId="{1606EA0F-48E2-4BD4-9F37-BF236232D15C}" destId="{DF50B32C-5278-47F6-81DD-3879F8A29A1F}" srcOrd="0" destOrd="0" presId="urn:microsoft.com/office/officeart/2016/7/layout/HorizontalActionList"/>
+    <dgm:cxn modelId="{463AC404-18F3-45E2-AB1B-3E9D10C7FAE1}" type="presParOf" srcId="{1606EA0F-48E2-4BD4-9F37-BF236232D15C}" destId="{06336547-F3F9-491E-885A-0ECADD1ADB8B}" srcOrd="1" destOrd="0" presId="urn:microsoft.com/office/officeart/2016/7/layout/HorizontalActionList"/>
   </dgm:cxnLst>
   <dgm:bg/>
   <dgm:whole/>
@@ -6889,14 +6892,14 @@
       <dsp:cNvGrpSpPr/>
     </dsp:nvGrpSpPr>
     <dsp:grpSpPr/>
-    <dsp:sp modelId="{A53F5ECF-05F6-46A3-95CF-32D82294585D}">
+    <dsp:sp modelId="{66E9F096-0885-41C5-A03F-40388C4751C2}">
       <dsp:nvSpPr>
         <dsp:cNvPr id="0" name=""/>
         <dsp:cNvSpPr/>
       </dsp:nvSpPr>
       <dsp:spPr>
         <a:xfrm>
-          <a:off x="10090" y="573485"/>
+          <a:off x="10090" y="461039"/>
           <a:ext cx="3426543" cy="1027963"/>
         </a:xfrm>
         <a:prstGeom prst="rect">
@@ -6957,25 +6960,26 @@
             <a:buNone/>
           </a:pPr>
           <a:r>
-            <a:rPr lang="en-US" sz="3400" kern="1200"/>
-            <a:t>Prepare</a:t>
+            <a:rPr lang="en-CH" sz="3400" kern="1200" dirty="0"/>
+            <a:t>1</a:t>
           </a:r>
+          <a:endParaRPr lang="en-US" sz="3400" kern="1200" dirty="0"/>
         </a:p>
       </dsp:txBody>
       <dsp:txXfrm>
-        <a:off x="10090" y="573485"/>
+        <a:off x="10090" y="461039"/>
         <a:ext cx="3426543" cy="1027963"/>
       </dsp:txXfrm>
     </dsp:sp>
-    <dsp:sp modelId="{F2AD24C8-3DEE-44E8-83CD-5D8954E700F8}">
+    <dsp:sp modelId="{7D7163DC-368C-4633-BEC7-03CB44DFF796}">
       <dsp:nvSpPr>
         <dsp:cNvPr id="0" name=""/>
         <dsp:cNvSpPr/>
       </dsp:nvSpPr>
       <dsp:spPr>
         <a:xfrm>
-          <a:off x="10090" y="1601448"/>
-          <a:ext cx="3426543" cy="2176404"/>
+          <a:off x="10090" y="1489002"/>
+          <a:ext cx="3426543" cy="2130932"/>
         </a:xfrm>
         <a:prstGeom prst="rect">
           <a:avLst/>
@@ -7043,18 +7047,18 @@
         </a:p>
       </dsp:txBody>
       <dsp:txXfrm>
-        <a:off x="10090" y="1601448"/>
-        <a:ext cx="3426543" cy="2176404"/>
+        <a:off x="10090" y="1489002"/>
+        <a:ext cx="3426543" cy="2130932"/>
       </dsp:txXfrm>
     </dsp:sp>
-    <dsp:sp modelId="{499E9702-0894-48DE-8529-98A777699247}">
+    <dsp:sp modelId="{D2B4D569-7075-4AA5-9141-005F4AFD3305}">
       <dsp:nvSpPr>
         <dsp:cNvPr id="0" name=""/>
         <dsp:cNvSpPr/>
       </dsp:nvSpPr>
       <dsp:spPr>
         <a:xfrm>
-          <a:off x="3544528" y="573485"/>
+          <a:off x="3544528" y="461039"/>
           <a:ext cx="3426543" cy="1027963"/>
         </a:xfrm>
         <a:prstGeom prst="rect">
@@ -7115,25 +7119,26 @@
             <a:buNone/>
           </a:pPr>
           <a:r>
-            <a:rPr lang="en-US" sz="3400" kern="1200"/>
-            <a:t>Add</a:t>
+            <a:rPr lang="en-CH" sz="3400" kern="1200" dirty="0"/>
+            <a:t>2</a:t>
           </a:r>
+          <a:endParaRPr lang="en-US" sz="3400" kern="1200" dirty="0"/>
         </a:p>
       </dsp:txBody>
       <dsp:txXfrm>
-        <a:off x="3544528" y="573485"/>
+        <a:off x="3544528" y="461039"/>
         <a:ext cx="3426543" cy="1027963"/>
       </dsp:txXfrm>
     </dsp:sp>
-    <dsp:sp modelId="{869761D6-2710-4018-8C85-987E2D6619A1}">
+    <dsp:sp modelId="{554E7755-6F44-4385-A67B-7765CFBDC7B1}">
       <dsp:nvSpPr>
         <dsp:cNvPr id="0" name=""/>
         <dsp:cNvSpPr/>
       </dsp:nvSpPr>
       <dsp:spPr>
         <a:xfrm>
-          <a:off x="3544528" y="1601448"/>
-          <a:ext cx="3426543" cy="2176404"/>
+          <a:off x="3544528" y="1489002"/>
+          <a:ext cx="3426543" cy="2130932"/>
         </a:xfrm>
         <a:prstGeom prst="rect">
           <a:avLst/>
@@ -7201,18 +7206,18 @@
         </a:p>
       </dsp:txBody>
       <dsp:txXfrm>
-        <a:off x="3544528" y="1601448"/>
-        <a:ext cx="3426543" cy="2176404"/>
+        <a:off x="3544528" y="1489002"/>
+        <a:ext cx="3426543" cy="2130932"/>
       </dsp:txXfrm>
     </dsp:sp>
-    <dsp:sp modelId="{2BA1343B-F5BE-401B-A117-B0EFE17652E1}">
+    <dsp:sp modelId="{DF50B32C-5278-47F6-81DD-3879F8A29A1F}">
       <dsp:nvSpPr>
         <dsp:cNvPr id="0" name=""/>
         <dsp:cNvSpPr/>
       </dsp:nvSpPr>
       <dsp:spPr>
         <a:xfrm>
-          <a:off x="7078966" y="573485"/>
+          <a:off x="7078966" y="461039"/>
           <a:ext cx="3426543" cy="1027963"/>
         </a:xfrm>
         <a:prstGeom prst="rect">
@@ -7273,25 +7278,26 @@
             <a:buNone/>
           </a:pPr>
           <a:r>
-            <a:rPr lang="en-US" sz="3400" kern="1200"/>
-            <a:t>Be</a:t>
+            <a:rPr lang="en-CH" sz="3400" kern="1200" dirty="0"/>
+            <a:t>3</a:t>
           </a:r>
+          <a:endParaRPr lang="en-US" sz="3400" kern="1200" dirty="0"/>
         </a:p>
       </dsp:txBody>
       <dsp:txXfrm>
-        <a:off x="7078966" y="573485"/>
+        <a:off x="7078966" y="461039"/>
         <a:ext cx="3426543" cy="1027963"/>
       </dsp:txXfrm>
     </dsp:sp>
-    <dsp:sp modelId="{6B333CFC-3821-4B3C-B16B-B90ADBEDF558}">
+    <dsp:sp modelId="{06336547-F3F9-491E-885A-0ECADD1ADB8B}">
       <dsp:nvSpPr>
         <dsp:cNvPr id="0" name=""/>
         <dsp:cNvSpPr/>
       </dsp:nvSpPr>
       <dsp:spPr>
         <a:xfrm>
-          <a:off x="7078966" y="1601448"/>
-          <a:ext cx="3426543" cy="2176404"/>
+          <a:off x="7078966" y="1489002"/>
+          <a:ext cx="3426543" cy="2130932"/>
         </a:xfrm>
         <a:prstGeom prst="rect">
           <a:avLst/>
@@ -7359,8 +7365,8 @@
         </a:p>
       </dsp:txBody>
       <dsp:txXfrm>
-        <a:off x="7078966" y="1601448"/>
-        <a:ext cx="3426543" cy="2176404"/>
+        <a:off x="7078966" y="1489002"/>
+        <a:ext cx="3426543" cy="2130932"/>
       </dsp:txXfrm>
     </dsp:sp>
   </dsp:spTree>
@@ -13454,7 +13460,7 @@
           <a:p>
             <a:fld id="{607A31D0-8CDF-43F4-93E5-6D9BCDB96118}" type="datetimeFigureOut">
               <a:rPr lang="de-DE" smtClean="0"/>
-              <a:t>16.05.2019</a:t>
+              <a:t>17.05.2019</a:t>
             </a:fld>
             <a:endParaRPr lang="de-DE"/>
           </a:p>
@@ -18374,7 +18380,7 @@
           <a:p>
             <a:fld id="{31B45A5F-6AA1-471D-956D-5B6631FC2132}" type="datetimeFigureOut">
               <a:rPr lang="en-GB" smtClean="0"/>
-              <a:t>16/05/2019</a:t>
+              <a:t>17/05/2019</a:t>
             </a:fld>
             <a:endParaRPr lang="en-GB"/>
           </a:p>
@@ -18544,7 +18550,7 @@
           <a:p>
             <a:fld id="{31B45A5F-6AA1-471D-956D-5B6631FC2132}" type="datetimeFigureOut">
               <a:rPr lang="en-GB" smtClean="0"/>
-              <a:t>16/05/2019</a:t>
+              <a:t>17/05/2019</a:t>
             </a:fld>
             <a:endParaRPr lang="en-GB"/>
           </a:p>
@@ -18724,7 +18730,7 @@
           <a:p>
             <a:fld id="{31B45A5F-6AA1-471D-956D-5B6631FC2132}" type="datetimeFigureOut">
               <a:rPr lang="en-GB" smtClean="0"/>
-              <a:t>16/05/2019</a:t>
+              <a:t>17/05/2019</a:t>
             </a:fld>
             <a:endParaRPr lang="en-GB"/>
           </a:p>
@@ -18894,7 +18900,7 @@
           <a:p>
             <a:fld id="{31B45A5F-6AA1-471D-956D-5B6631FC2132}" type="datetimeFigureOut">
               <a:rPr lang="en-GB" smtClean="0"/>
-              <a:t>16/05/2019</a:t>
+              <a:t>17/05/2019</a:t>
             </a:fld>
             <a:endParaRPr lang="en-GB"/>
           </a:p>
@@ -19140,7 +19146,7 @@
           <a:p>
             <a:fld id="{31B45A5F-6AA1-471D-956D-5B6631FC2132}" type="datetimeFigureOut">
               <a:rPr lang="en-GB" smtClean="0"/>
-              <a:t>16/05/2019</a:t>
+              <a:t>17/05/2019</a:t>
             </a:fld>
             <a:endParaRPr lang="en-GB"/>
           </a:p>
@@ -19372,7 +19378,7 @@
           <a:p>
             <a:fld id="{31B45A5F-6AA1-471D-956D-5B6631FC2132}" type="datetimeFigureOut">
               <a:rPr lang="en-GB" smtClean="0"/>
-              <a:t>16/05/2019</a:t>
+              <a:t>17/05/2019</a:t>
             </a:fld>
             <a:endParaRPr lang="en-GB"/>
           </a:p>
@@ -19739,7 +19745,7 @@
           <a:p>
             <a:fld id="{31B45A5F-6AA1-471D-956D-5B6631FC2132}" type="datetimeFigureOut">
               <a:rPr lang="en-GB" smtClean="0"/>
-              <a:t>16/05/2019</a:t>
+              <a:t>17/05/2019</a:t>
             </a:fld>
             <a:endParaRPr lang="en-GB"/>
           </a:p>
@@ -19857,7 +19863,7 @@
           <a:p>
             <a:fld id="{31B45A5F-6AA1-471D-956D-5B6631FC2132}" type="datetimeFigureOut">
               <a:rPr lang="en-GB" smtClean="0"/>
-              <a:t>16/05/2019</a:t>
+              <a:t>17/05/2019</a:t>
             </a:fld>
             <a:endParaRPr lang="en-GB"/>
           </a:p>
@@ -19952,7 +19958,7 @@
           <a:p>
             <a:fld id="{31B45A5F-6AA1-471D-956D-5B6631FC2132}" type="datetimeFigureOut">
               <a:rPr lang="en-GB" smtClean="0"/>
-              <a:t>16/05/2019</a:t>
+              <a:t>17/05/2019</a:t>
             </a:fld>
             <a:endParaRPr lang="en-GB"/>
           </a:p>
@@ -20229,7 +20235,7 @@
           <a:p>
             <a:fld id="{31B45A5F-6AA1-471D-956D-5B6631FC2132}" type="datetimeFigureOut">
               <a:rPr lang="en-GB" smtClean="0"/>
-              <a:t>16/05/2019</a:t>
+              <a:t>17/05/2019</a:t>
             </a:fld>
             <a:endParaRPr lang="en-GB"/>
           </a:p>
@@ -20482,7 +20488,7 @@
           <a:p>
             <a:fld id="{31B45A5F-6AA1-471D-956D-5B6631FC2132}" type="datetimeFigureOut">
               <a:rPr lang="en-GB" smtClean="0"/>
-              <a:t>16/05/2019</a:t>
+              <a:t>17/05/2019</a:t>
             </a:fld>
             <a:endParaRPr lang="en-GB"/>
           </a:p>
@@ -20695,7 +20701,7 @@
           <a:p>
             <a:fld id="{31B45A5F-6AA1-471D-956D-5B6631FC2132}" type="datetimeFigureOut">
               <a:rPr lang="en-GB" smtClean="0"/>
-              <a:t>16/05/2019</a:t>
+              <a:t>17/05/2019</a:t>
             </a:fld>
             <a:endParaRPr lang="en-GB"/>
           </a:p>
@@ -36646,6 +36652,250 @@
           <a:chExt cx="0" cy="0"/>
         </a:xfrm>
       </p:grpSpPr>
+      <p:sp>
+        <p:nvSpPr>
+          <p:cNvPr id="17" name="Freeform: Shape 16">
+            <a:extLst>
+              <a:ext uri="{FF2B5EF4-FFF2-40B4-BE49-F238E27FC236}">
+                <a16:creationId xmlns:a16="http://schemas.microsoft.com/office/drawing/2014/main" id="{E4505C23-674B-4195-81D6-0C127FEAE3F8}"/>
+              </a:ext>
+              <a:ext uri="{C183D7F6-B498-43B3-948B-1728B52AA6E4}">
+                <adec:decorative xmlns:adec="http://schemas.microsoft.com/office/drawing/2017/decorative" val="1"/>
+              </a:ext>
+            </a:extLst>
+          </p:cNvPr>
+          <p:cNvSpPr>
+            <a:spLocks noGrp="1" noRot="1" noChangeAspect="1" noMove="1" noResize="1" noEditPoints="1" noAdjustHandles="1" noChangeArrowheads="1" noChangeShapeType="1" noTextEdit="1"/>
+          </p:cNvSpPr>
+          <p:nvPr>
+            <p:extLst>
+              <p:ext uri="{386F3935-93C4-4BCD-93E2-E3B085C9AB24}">
+                <p16:designElem xmlns:p16="http://schemas.microsoft.com/office/powerpoint/2015/main" val="1"/>
+              </p:ext>
+            </p:extLst>
+          </p:nvPr>
+        </p:nvSpPr>
+        <p:spPr>
+          <a:xfrm>
+            <a:off x="0" y="5367908"/>
+            <a:ext cx="9161029" cy="1490093"/>
+          </a:xfrm>
+          <a:custGeom>
+            <a:avLst/>
+            <a:gdLst>
+              <a:gd name="connsiteX0" fmla="*/ 0 w 9161029"/>
+              <a:gd name="connsiteY0" fmla="*/ 0 h 1490093"/>
+              <a:gd name="connsiteX1" fmla="*/ 2046494 w 9161029"/>
+              <a:gd name="connsiteY1" fmla="*/ 0 h 1490093"/>
+              <a:gd name="connsiteX2" fmla="*/ 2496613 w 9161029"/>
+              <a:gd name="connsiteY2" fmla="*/ 0 h 1490093"/>
+              <a:gd name="connsiteX3" fmla="*/ 3235839 w 9161029"/>
+              <a:gd name="connsiteY3" fmla="*/ 0 h 1490093"/>
+              <a:gd name="connsiteX4" fmla="*/ 9161029 w 9161029"/>
+              <a:gd name="connsiteY4" fmla="*/ 0 h 1490093"/>
+              <a:gd name="connsiteX5" fmla="*/ 8470921 w 9161029"/>
+              <a:gd name="connsiteY5" fmla="*/ 1490093 h 1490093"/>
+              <a:gd name="connsiteX6" fmla="*/ 0 w 9161029"/>
+              <a:gd name="connsiteY6" fmla="*/ 1490093 h 1490093"/>
+            </a:gdLst>
+            <a:ahLst/>
+            <a:cxnLst>
+              <a:cxn ang="0">
+                <a:pos x="connsiteX0" y="connsiteY0"/>
+              </a:cxn>
+              <a:cxn ang="0">
+                <a:pos x="connsiteX1" y="connsiteY1"/>
+              </a:cxn>
+              <a:cxn ang="0">
+                <a:pos x="connsiteX2" y="connsiteY2"/>
+              </a:cxn>
+              <a:cxn ang="0">
+                <a:pos x="connsiteX3" y="connsiteY3"/>
+              </a:cxn>
+              <a:cxn ang="0">
+                <a:pos x="connsiteX4" y="connsiteY4"/>
+              </a:cxn>
+              <a:cxn ang="0">
+                <a:pos x="connsiteX5" y="connsiteY5"/>
+              </a:cxn>
+              <a:cxn ang="0">
+                <a:pos x="connsiteX6" y="connsiteY6"/>
+              </a:cxn>
+            </a:cxnLst>
+            <a:rect l="l" t="t" r="r" b="b"/>
+            <a:pathLst>
+              <a:path w="9161029" h="1490093">
+                <a:moveTo>
+                  <a:pt x="0" y="0"/>
+                </a:moveTo>
+                <a:lnTo>
+                  <a:pt x="2046494" y="0"/>
+                </a:lnTo>
+                <a:lnTo>
+                  <a:pt x="2496613" y="0"/>
+                </a:lnTo>
+                <a:lnTo>
+                  <a:pt x="3235839" y="0"/>
+                </a:lnTo>
+                <a:lnTo>
+                  <a:pt x="9161029" y="0"/>
+                </a:lnTo>
+                <a:lnTo>
+                  <a:pt x="8470921" y="1490093"/>
+                </a:lnTo>
+                <a:lnTo>
+                  <a:pt x="0" y="1490093"/>
+                </a:lnTo>
+                <a:close/>
+              </a:path>
+            </a:pathLst>
+          </a:custGeom>
+          <a:solidFill>
+            <a:schemeClr val="tx1">
+              <a:lumMod val="50000"/>
+              <a:lumOff val="50000"/>
+              <a:alpha val="40000"/>
+            </a:schemeClr>
+          </a:solidFill>
+          <a:ln>
+            <a:noFill/>
+          </a:ln>
+        </p:spPr>
+        <p:style>
+          <a:lnRef idx="2">
+            <a:schemeClr val="accent1">
+              <a:shade val="50000"/>
+            </a:schemeClr>
+          </a:lnRef>
+          <a:fillRef idx="1">
+            <a:schemeClr val="accent1"/>
+          </a:fillRef>
+          <a:effectRef idx="0">
+            <a:schemeClr val="accent1"/>
+          </a:effectRef>
+          <a:fontRef idx="minor">
+            <a:schemeClr val="lt1"/>
+          </a:fontRef>
+        </p:style>
+        <p:txBody>
+          <a:bodyPr rtlCol="0" anchor="ctr"/>
+          <a:lstStyle/>
+          <a:p>
+            <a:pPr algn="ctr"/>
+            <a:endParaRPr lang="en-US"/>
+          </a:p>
+        </p:txBody>
+      </p:sp>
+      <p:sp>
+        <p:nvSpPr>
+          <p:cNvPr id="19" name="Freeform: Shape 18">
+            <a:extLst>
+              <a:ext uri="{FF2B5EF4-FFF2-40B4-BE49-F238E27FC236}">
+                <a16:creationId xmlns:a16="http://schemas.microsoft.com/office/drawing/2014/main" id="{65C9B8F0-FF66-4C15-BD05-E86B87331846}"/>
+              </a:ext>
+              <a:ext uri="{C183D7F6-B498-43B3-948B-1728B52AA6E4}">
+                <adec:decorative xmlns:adec="http://schemas.microsoft.com/office/drawing/2017/decorative" val="1"/>
+              </a:ext>
+            </a:extLst>
+          </p:cNvPr>
+          <p:cNvSpPr>
+            <a:spLocks noGrp="1" noRot="1" noChangeAspect="1" noMove="1" noResize="1" noEditPoints="1" noAdjustHandles="1" noChangeArrowheads="1" noChangeShapeType="1" noTextEdit="1"/>
+          </p:cNvSpPr>
+          <p:nvPr>
+            <p:extLst>
+              <p:ext uri="{386F3935-93C4-4BCD-93E2-E3B085C9AB24}">
+                <p16:designElem xmlns:p16="http://schemas.microsoft.com/office/powerpoint/2015/main" val="1"/>
+              </p:ext>
+            </p:extLst>
+          </p:nvPr>
+        </p:nvSpPr>
+        <p:spPr>
+          <a:xfrm>
+            <a:off x="8763037" y="5367908"/>
+            <a:ext cx="3428963" cy="1490093"/>
+          </a:xfrm>
+          <a:custGeom>
+            <a:avLst/>
+            <a:gdLst>
+              <a:gd name="connsiteX0" fmla="*/ 690108 w 3428963"/>
+              <a:gd name="connsiteY0" fmla="*/ 0 h 1490093"/>
+              <a:gd name="connsiteX1" fmla="*/ 3428963 w 3428963"/>
+              <a:gd name="connsiteY1" fmla="*/ 0 h 1490093"/>
+              <a:gd name="connsiteX2" fmla="*/ 3428963 w 3428963"/>
+              <a:gd name="connsiteY2" fmla="*/ 1490093 h 1490093"/>
+              <a:gd name="connsiteX3" fmla="*/ 0 w 3428963"/>
+              <a:gd name="connsiteY3" fmla="*/ 1490093 h 1490093"/>
+            </a:gdLst>
+            <a:ahLst/>
+            <a:cxnLst>
+              <a:cxn ang="0">
+                <a:pos x="connsiteX0" y="connsiteY0"/>
+              </a:cxn>
+              <a:cxn ang="0">
+                <a:pos x="connsiteX1" y="connsiteY1"/>
+              </a:cxn>
+              <a:cxn ang="0">
+                <a:pos x="connsiteX2" y="connsiteY2"/>
+              </a:cxn>
+              <a:cxn ang="0">
+                <a:pos x="connsiteX3" y="connsiteY3"/>
+              </a:cxn>
+            </a:cxnLst>
+            <a:rect l="l" t="t" r="r" b="b"/>
+            <a:pathLst>
+              <a:path w="3428963" h="1490093">
+                <a:moveTo>
+                  <a:pt x="690108" y="0"/>
+                </a:moveTo>
+                <a:lnTo>
+                  <a:pt x="3428963" y="0"/>
+                </a:lnTo>
+                <a:lnTo>
+                  <a:pt x="3428963" y="1490093"/>
+                </a:lnTo>
+                <a:lnTo>
+                  <a:pt x="0" y="1490093"/>
+                </a:lnTo>
+                <a:close/>
+              </a:path>
+            </a:pathLst>
+          </a:custGeom>
+          <a:solidFill>
+            <a:schemeClr val="tx1">
+              <a:alpha val="70000"/>
+            </a:schemeClr>
+          </a:solidFill>
+          <a:ln>
+            <a:noFill/>
+          </a:ln>
+        </p:spPr>
+        <p:style>
+          <a:lnRef idx="2">
+            <a:schemeClr val="accent1">
+              <a:shade val="50000"/>
+            </a:schemeClr>
+          </a:lnRef>
+          <a:fillRef idx="1">
+            <a:schemeClr val="accent1"/>
+          </a:fillRef>
+          <a:effectRef idx="0">
+            <a:schemeClr val="accent1"/>
+          </a:effectRef>
+          <a:fontRef idx="minor">
+            <a:schemeClr val="lt1"/>
+          </a:fontRef>
+        </p:style>
+        <p:txBody>
+          <a:bodyPr wrap="square" rtlCol="0" anchor="ctr">
+            <a:noAutofit/>
+          </a:bodyPr>
+          <a:lstStyle/>
+          <a:p>
+            <a:pPr algn="ctr"/>
+            <a:endParaRPr lang="en-US"/>
+          </a:p>
+        </p:txBody>
+      </p:sp>
       <p:graphicFrame>
         <p:nvGraphicFramePr>
           <p:cNvPr id="12" name="Textfeld 5">
@@ -36659,14 +36909,14 @@
           <p:nvPr>
             <p:extLst>
               <p:ext uri="{D42A27DB-BD31-4B8C-83A1-F6EECF244321}">
-                <p14:modId xmlns:p14="http://schemas.microsoft.com/office/powerpoint/2010/main" val="3330770022"/>
+                <p14:modId xmlns:p14="http://schemas.microsoft.com/office/powerpoint/2010/main" val="81803684"/>
               </p:ext>
             </p:extLst>
           </p:nvPr>
         </p:nvGraphicFramePr>
         <p:xfrm>
-          <a:off x="838200" y="1825625"/>
-          <a:ext cx="10515600" cy="4351338"/>
+          <a:off x="838200" y="643467"/>
+          <a:ext cx="10515600" cy="4080974"/>
         </p:xfrm>
         <a:graphic>
           <a:graphicData uri="http://schemas.openxmlformats.org/drawingml/2006/diagram">
@@ -36682,7 +36932,7 @@
     </p:extLst>
   </p:cSld>
   <p:clrMapOvr>
-    <a:overrideClrMapping bg1="dk1" tx1="lt1" bg2="dk2" tx2="lt2" accent1="accent1" accent2="accent2" accent3="accent3" accent4="accent4" accent5="accent5" accent6="accent6" hlink="hlink" folHlink="folHlink"/>
+    <a:masterClrMapping/>
   </p:clrMapOvr>
 </p:sld>
 </file>
